--- a/Semana2/Examen_Semana2.pptx
+++ b/Semana2/Examen_Semana2.pptx
@@ -111,6 +111,11 @@
       </a:defRPr>
     </a:lvl9pPr>
   </p:defaultTextStyle>
+  <p:extLst>
+    <p:ext uri="{EFAFB233-063F-42B5-8137-9DF3F51BA10A}">
+      <p15:sldGuideLst xmlns:p15="http://schemas.microsoft.com/office/powerpoint/2012/main"/>
+    </p:ext>
+  </p:extLst>
 </p:presentation>
 </file>
 
@@ -10370,7 +10375,7 @@
           <a:p>
             <a:fld id="{95EC52A1-6350-4BA7-9413-9460BB39CEBF}" type="datetimeFigureOut">
               <a:rPr lang="es-MX" smtClean="0"/>
-              <a:t>24/01/2023</a:t>
+              <a:t>26/01/2023</a:t>
             </a:fld>
             <a:endParaRPr lang="es-MX"/>
           </a:p>
@@ -10540,7 +10545,7 @@
           <a:p>
             <a:fld id="{95EC52A1-6350-4BA7-9413-9460BB39CEBF}" type="datetimeFigureOut">
               <a:rPr lang="es-MX" smtClean="0"/>
-              <a:t>24/01/2023</a:t>
+              <a:t>26/01/2023</a:t>
             </a:fld>
             <a:endParaRPr lang="es-MX"/>
           </a:p>
@@ -10720,7 +10725,7 @@
           <a:p>
             <a:fld id="{95EC52A1-6350-4BA7-9413-9460BB39CEBF}" type="datetimeFigureOut">
               <a:rPr lang="es-MX" smtClean="0"/>
-              <a:t>24/01/2023</a:t>
+              <a:t>26/01/2023</a:t>
             </a:fld>
             <a:endParaRPr lang="es-MX"/>
           </a:p>
@@ -10890,7 +10895,7 @@
           <a:p>
             <a:fld id="{95EC52A1-6350-4BA7-9413-9460BB39CEBF}" type="datetimeFigureOut">
               <a:rPr lang="es-MX" smtClean="0"/>
-              <a:t>24/01/2023</a:t>
+              <a:t>26/01/2023</a:t>
             </a:fld>
             <a:endParaRPr lang="es-MX"/>
           </a:p>
@@ -11134,7 +11139,7 @@
           <a:p>
             <a:fld id="{95EC52A1-6350-4BA7-9413-9460BB39CEBF}" type="datetimeFigureOut">
               <a:rPr lang="es-MX" smtClean="0"/>
-              <a:t>24/01/2023</a:t>
+              <a:t>26/01/2023</a:t>
             </a:fld>
             <a:endParaRPr lang="es-MX"/>
           </a:p>
@@ -11366,7 +11371,7 @@
           <a:p>
             <a:fld id="{95EC52A1-6350-4BA7-9413-9460BB39CEBF}" type="datetimeFigureOut">
               <a:rPr lang="es-MX" smtClean="0"/>
-              <a:t>24/01/2023</a:t>
+              <a:t>26/01/2023</a:t>
             </a:fld>
             <a:endParaRPr lang="es-MX"/>
           </a:p>
@@ -11733,7 +11738,7 @@
           <a:p>
             <a:fld id="{95EC52A1-6350-4BA7-9413-9460BB39CEBF}" type="datetimeFigureOut">
               <a:rPr lang="es-MX" smtClean="0"/>
-              <a:t>24/01/2023</a:t>
+              <a:t>26/01/2023</a:t>
             </a:fld>
             <a:endParaRPr lang="es-MX"/>
           </a:p>
@@ -11851,7 +11856,7 @@
           <a:p>
             <a:fld id="{95EC52A1-6350-4BA7-9413-9460BB39CEBF}" type="datetimeFigureOut">
               <a:rPr lang="es-MX" smtClean="0"/>
-              <a:t>24/01/2023</a:t>
+              <a:t>26/01/2023</a:t>
             </a:fld>
             <a:endParaRPr lang="es-MX"/>
           </a:p>
@@ -11946,7 +11951,7 @@
           <a:p>
             <a:fld id="{95EC52A1-6350-4BA7-9413-9460BB39CEBF}" type="datetimeFigureOut">
               <a:rPr lang="es-MX" smtClean="0"/>
-              <a:t>24/01/2023</a:t>
+              <a:t>26/01/2023</a:t>
             </a:fld>
             <a:endParaRPr lang="es-MX"/>
           </a:p>
@@ -12223,7 +12228,7 @@
           <a:p>
             <a:fld id="{95EC52A1-6350-4BA7-9413-9460BB39CEBF}" type="datetimeFigureOut">
               <a:rPr lang="es-MX" smtClean="0"/>
-              <a:t>24/01/2023</a:t>
+              <a:t>26/01/2023</a:t>
             </a:fld>
             <a:endParaRPr lang="es-MX"/>
           </a:p>
@@ -12480,7 +12485,7 @@
           <a:p>
             <a:fld id="{95EC52A1-6350-4BA7-9413-9460BB39CEBF}" type="datetimeFigureOut">
               <a:rPr lang="es-MX" smtClean="0"/>
-              <a:t>24/01/2023</a:t>
+              <a:t>26/01/2023</a:t>
             </a:fld>
             <a:endParaRPr lang="es-MX"/>
           </a:p>
@@ -12693,7 +12698,7 @@
           <a:p>
             <a:fld id="{95EC52A1-6350-4BA7-9413-9460BB39CEBF}" type="datetimeFigureOut">
               <a:rPr lang="es-MX" smtClean="0"/>
-              <a:t>24/01/2023</a:t>
+              <a:t>26/01/2023</a:t>
             </a:fld>
             <a:endParaRPr lang="es-MX"/>
           </a:p>
@@ -16627,188 +16632,6 @@
       </p:cxnSp>
       <p:sp>
         <p:nvSpPr>
-          <p:cNvPr id="101" name="CuadroTexto 100">
-            <a:extLst>
-              <a:ext uri="{FF2B5EF4-FFF2-40B4-BE49-F238E27FC236}">
-                <a16:creationId xmlns:a16="http://schemas.microsoft.com/office/drawing/2014/main" id="{59A768F6-0F76-449F-8956-E620A2D9F16B}"/>
-              </a:ext>
-            </a:extLst>
-          </p:cNvPr>
-          <p:cNvSpPr txBox="1"/>
-          <p:nvPr/>
-        </p:nvSpPr>
-        <p:spPr>
-          <a:xfrm>
-            <a:off x="150420" y="6590863"/>
-            <a:ext cx="2014965" cy="600164"/>
-          </a:xfrm>
-          <a:prstGeom prst="rect">
-            <a:avLst/>
-          </a:prstGeom>
-          <a:solidFill>
-            <a:schemeClr val="bg1">
-              <a:lumMod val="85000"/>
-            </a:schemeClr>
-          </a:solidFill>
-        </p:spPr>
-        <p:txBody>
-          <a:bodyPr wrap="square" rtlCol="0">
-            <a:spAutoFit/>
-          </a:bodyPr>
-          <a:lstStyle/>
-          <a:p>
-            <a:pPr algn="ctr"/>
-            <a:r>
-              <a:rPr lang="es-MX" sz="1100" dirty="0">
-                <a:latin typeface="Dubai Light" panose="020B0303030403030204" pitchFamily="34" charset="-78"/>
-                <a:cs typeface="Dubai Light" panose="020B0303030403030204" pitchFamily="34" charset="-78"/>
-              </a:rPr>
-              <a:t>Comando</a:t>
-            </a:r>
-          </a:p>
-          <a:p>
-            <a:pPr algn="ctr"/>
-            <a:r>
-              <a:rPr lang="es-MX" sz="1100" dirty="0">
-                <a:latin typeface="Dubai Light" panose="020B0303030403030204" pitchFamily="34" charset="-78"/>
-                <a:cs typeface="Dubai Light" panose="020B0303030403030204" pitchFamily="34" charset="-78"/>
-              </a:rPr>
-              <a:t>Crear una Rama</a:t>
-            </a:r>
-          </a:p>
-          <a:p>
-            <a:pPr algn="ctr"/>
-            <a:r>
-              <a:rPr lang="es-MX" sz="1000" dirty="0">
-                <a:latin typeface="OCR A Extended" panose="02010509020102010303" pitchFamily="50" charset="0"/>
-                <a:cs typeface="Dubai Light" panose="020B0303030403030204" pitchFamily="34" charset="-78"/>
-              </a:rPr>
-              <a:t>$</a:t>
-            </a:r>
-            <a:r>
-              <a:rPr lang="es-MX" sz="1000" dirty="0" err="1">
-                <a:latin typeface="OCR A Extended" panose="02010509020102010303" pitchFamily="50" charset="0"/>
-                <a:cs typeface="Dubai Light" panose="020B0303030403030204" pitchFamily="34" charset="-78"/>
-              </a:rPr>
-              <a:t>git</a:t>
-            </a:r>
-            <a:r>
-              <a:rPr lang="es-MX" sz="1000" dirty="0">
-                <a:latin typeface="OCR A Extended" panose="02010509020102010303" pitchFamily="50" charset="0"/>
-                <a:cs typeface="Dubai Light" panose="020B0303030403030204" pitchFamily="34" charset="-78"/>
-              </a:rPr>
-              <a:t> </a:t>
-            </a:r>
-            <a:r>
-              <a:rPr lang="es-MX" sz="1000" dirty="0" err="1">
-                <a:latin typeface="OCR A Extended" panose="02010509020102010303" pitchFamily="50" charset="0"/>
-                <a:cs typeface="Dubai Light" panose="020B0303030403030204" pitchFamily="34" charset="-78"/>
-              </a:rPr>
-              <a:t>branch</a:t>
-            </a:r>
-            <a:r>
-              <a:rPr lang="es-MX" sz="1000" dirty="0">
-                <a:latin typeface="OCR A Extended" panose="02010509020102010303" pitchFamily="50" charset="0"/>
-                <a:cs typeface="Dubai Light" panose="020B0303030403030204" pitchFamily="34" charset="-78"/>
-              </a:rPr>
-              <a:t> &lt;Nombre&gt;</a:t>
-            </a:r>
-          </a:p>
-        </p:txBody>
-      </p:sp>
-      <p:sp>
-        <p:nvSpPr>
-          <p:cNvPr id="102" name="CuadroTexto 101">
-            <a:extLst>
-              <a:ext uri="{FF2B5EF4-FFF2-40B4-BE49-F238E27FC236}">
-                <a16:creationId xmlns:a16="http://schemas.microsoft.com/office/drawing/2014/main" id="{AF96ABCD-AFF8-4FB2-AE78-53EB0DEEB115}"/>
-              </a:ext>
-            </a:extLst>
-          </p:cNvPr>
-          <p:cNvSpPr txBox="1"/>
-          <p:nvPr/>
-        </p:nvSpPr>
-        <p:spPr>
-          <a:xfrm>
-            <a:off x="2500944" y="6597157"/>
-            <a:ext cx="2239882" cy="569387"/>
-          </a:xfrm>
-          <a:prstGeom prst="rect">
-            <a:avLst/>
-          </a:prstGeom>
-          <a:solidFill>
-            <a:schemeClr val="bg1">
-              <a:lumMod val="85000"/>
-            </a:schemeClr>
-          </a:solidFill>
-        </p:spPr>
-        <p:txBody>
-          <a:bodyPr wrap="square" rtlCol="0">
-            <a:spAutoFit/>
-          </a:bodyPr>
-          <a:lstStyle/>
-          <a:p>
-            <a:pPr algn="ctr"/>
-            <a:r>
-              <a:rPr lang="es-MX" sz="1100" dirty="0">
-                <a:latin typeface="Dubai Light" panose="020B0303030403030204" pitchFamily="34" charset="-78"/>
-                <a:cs typeface="Dubai Light" panose="020B0303030403030204" pitchFamily="34" charset="-78"/>
-              </a:rPr>
-              <a:t>Comando</a:t>
-            </a:r>
-          </a:p>
-          <a:p>
-            <a:pPr algn="ctr"/>
-            <a:r>
-              <a:rPr lang="es-MX" sz="1100" dirty="0">
-                <a:latin typeface="Dubai Light" panose="020B0303030403030204" pitchFamily="34" charset="-78"/>
-                <a:cs typeface="Dubai Light" panose="020B0303030403030204" pitchFamily="34" charset="-78"/>
-              </a:rPr>
-              <a:t>Cambiar de Rama</a:t>
-            </a:r>
-          </a:p>
-          <a:p>
-            <a:pPr algn="ctr"/>
-            <a:r>
-              <a:rPr lang="es-MX" sz="900" dirty="0">
-                <a:latin typeface="OCR A Extended" panose="02010509020102010303" pitchFamily="50" charset="0"/>
-                <a:cs typeface="Dubai Light" panose="020B0303030403030204" pitchFamily="34" charset="-78"/>
-              </a:rPr>
-              <a:t>$</a:t>
-            </a:r>
-            <a:r>
-              <a:rPr lang="es-MX" sz="900" dirty="0" err="1">
-                <a:latin typeface="OCR A Extended" panose="02010509020102010303" pitchFamily="50" charset="0"/>
-                <a:cs typeface="Dubai Light" panose="020B0303030403030204" pitchFamily="34" charset="-78"/>
-              </a:rPr>
-              <a:t>git</a:t>
-            </a:r>
-            <a:r>
-              <a:rPr lang="es-MX" sz="900" dirty="0">
-                <a:latin typeface="OCR A Extended" panose="02010509020102010303" pitchFamily="50" charset="0"/>
-                <a:cs typeface="Dubai Light" panose="020B0303030403030204" pitchFamily="34" charset="-78"/>
-              </a:rPr>
-              <a:t> </a:t>
-            </a:r>
-            <a:r>
-              <a:rPr lang="es-MX" sz="900" dirty="0" err="1">
-                <a:latin typeface="OCR A Extended" panose="02010509020102010303" pitchFamily="50" charset="0"/>
-                <a:cs typeface="Dubai Light" panose="020B0303030403030204" pitchFamily="34" charset="-78"/>
-              </a:rPr>
-              <a:t>checkout</a:t>
-            </a:r>
-            <a:r>
-              <a:rPr lang="es-MX" sz="900" dirty="0">
-                <a:latin typeface="OCR A Extended" panose="02010509020102010303" pitchFamily="50" charset="0"/>
-                <a:cs typeface="Dubai Light" panose="020B0303030403030204" pitchFamily="34" charset="-78"/>
-              </a:rPr>
-              <a:t> -b &lt;Nueva Rama&gt;</a:t>
-            </a:r>
-          </a:p>
-        </p:txBody>
-      </p:sp>
-      <p:sp>
-        <p:nvSpPr>
           <p:cNvPr id="103" name="Rectángulo 102">
             <a:extLst>
               <a:ext uri="{FF2B5EF4-FFF2-40B4-BE49-F238E27FC236}">
@@ -17913,18 +17736,22 @@
           <a:prstGeom prst="rect">
             <a:avLst/>
           </a:prstGeom>
-          <a:solidFill>
-            <a:schemeClr val="bg1"/>
-          </a:solidFill>
-          <a:ln>
-            <a:solidFill>
-              <a:schemeClr val="accent1">
-                <a:lumMod val="40000"/>
-                <a:lumOff val="60000"/>
-              </a:schemeClr>
-            </a:solidFill>
-          </a:ln>
+          <a:ln/>
         </p:spPr>
+        <p:style>
+          <a:lnRef idx="2">
+            <a:schemeClr val="accent5"/>
+          </a:lnRef>
+          <a:fillRef idx="1">
+            <a:schemeClr val="lt1"/>
+          </a:fillRef>
+          <a:effectRef idx="0">
+            <a:schemeClr val="accent5"/>
+          </a:effectRef>
+          <a:fontRef idx="minor">
+            <a:schemeClr val="dk1"/>
+          </a:fontRef>
+        </p:style>
         <p:txBody>
           <a:bodyPr wrap="square" rtlCol="0">
             <a:spAutoFit/>
@@ -17955,7 +17782,7 @@
         </p:nvSpPr>
         <p:spPr>
           <a:xfrm>
-            <a:off x="141160" y="567070"/>
+            <a:off x="30737" y="636319"/>
             <a:ext cx="6600827" cy="600164"/>
           </a:xfrm>
           <a:prstGeom prst="rect">
@@ -18023,6 +17850,1261 @@
               <a:latin typeface="Dubai Light" panose="020B0303030403030204" pitchFamily="34" charset="-78"/>
               <a:cs typeface="Dubai Light" panose="020B0303030403030204" pitchFamily="34" charset="-78"/>
             </a:endParaRPr>
+          </a:p>
+        </p:txBody>
+      </p:sp>
+      <p:sp>
+        <p:nvSpPr>
+          <p:cNvPr id="4" name="CuadroTexto 3">
+            <a:extLst>
+              <a:ext uri="{FF2B5EF4-FFF2-40B4-BE49-F238E27FC236}">
+                <a16:creationId xmlns:a16="http://schemas.microsoft.com/office/drawing/2014/main" id="{1A67741E-3152-4E1D-9CF4-C13E396FAD36}"/>
+              </a:ext>
+            </a:extLst>
+          </p:cNvPr>
+          <p:cNvSpPr txBox="1"/>
+          <p:nvPr/>
+        </p:nvSpPr>
+        <p:spPr>
+          <a:xfrm>
+            <a:off x="116012" y="1308214"/>
+            <a:ext cx="6379983" cy="276999"/>
+          </a:xfrm>
+          <a:prstGeom prst="rect">
+            <a:avLst/>
+          </a:prstGeom>
+          <a:ln/>
+        </p:spPr>
+        <p:style>
+          <a:lnRef idx="2">
+            <a:schemeClr val="accent5"/>
+          </a:lnRef>
+          <a:fillRef idx="1">
+            <a:schemeClr val="lt1"/>
+          </a:fillRef>
+          <a:effectRef idx="0">
+            <a:schemeClr val="accent5"/>
+          </a:effectRef>
+          <a:fontRef idx="minor">
+            <a:schemeClr val="dk1"/>
+          </a:fontRef>
+        </p:style>
+        <p:txBody>
+          <a:bodyPr wrap="square" rtlCol="0">
+            <a:spAutoFit/>
+          </a:bodyPr>
+          <a:lstStyle/>
+          <a:p>
+            <a:r>
+              <a:rPr lang="es-MX" sz="1200" dirty="0">
+                <a:latin typeface="Dubai Light" panose="020B0303030403030204" pitchFamily="34" charset="-78"/>
+                <a:cs typeface="Dubai Light" panose="020B0303030403030204" pitchFamily="34" charset="-78"/>
+              </a:rPr>
+              <a:t>Principales comandos</a:t>
+            </a:r>
+          </a:p>
+        </p:txBody>
+      </p:sp>
+      <p:sp>
+        <p:nvSpPr>
+          <p:cNvPr id="5" name="CuadroTexto 4">
+            <a:extLst>
+              <a:ext uri="{FF2B5EF4-FFF2-40B4-BE49-F238E27FC236}">
+                <a16:creationId xmlns:a16="http://schemas.microsoft.com/office/drawing/2014/main" id="{B1B9BE07-8E02-4202-BEEB-1512CA77E8D7}"/>
+              </a:ext>
+            </a:extLst>
+          </p:cNvPr>
+          <p:cNvSpPr txBox="1"/>
+          <p:nvPr/>
+        </p:nvSpPr>
+        <p:spPr>
+          <a:xfrm>
+            <a:off x="116006" y="4909498"/>
+            <a:ext cx="2293361" cy="415498"/>
+          </a:xfrm>
+          <a:prstGeom prst="rect">
+            <a:avLst/>
+          </a:prstGeom>
+          <a:solidFill>
+            <a:schemeClr val="bg1">
+              <a:lumMod val="85000"/>
+            </a:schemeClr>
+          </a:solidFill>
+        </p:spPr>
+        <p:txBody>
+          <a:bodyPr wrap="square" rtlCol="0">
+            <a:spAutoFit/>
+          </a:bodyPr>
+          <a:lstStyle/>
+          <a:p>
+            <a:pPr algn="ctr"/>
+            <a:r>
+              <a:rPr lang="es-MX" sz="1100" dirty="0">
+                <a:latin typeface="Dubai Light" panose="020B0303030403030204" pitchFamily="34" charset="-78"/>
+                <a:cs typeface="Dubai Light" panose="020B0303030403030204" pitchFamily="34" charset="-78"/>
+              </a:rPr>
+              <a:t>Crear una Rama</a:t>
+            </a:r>
+          </a:p>
+          <a:p>
+            <a:pPr algn="ctr"/>
+            <a:r>
+              <a:rPr lang="es-MX" sz="1000" dirty="0">
+                <a:latin typeface="Consolas" panose="020B0609020204030204" pitchFamily="49" charset="0"/>
+                <a:cs typeface="Dubai Light" panose="020B0303030403030204" pitchFamily="34" charset="-78"/>
+              </a:rPr>
+              <a:t>$</a:t>
+            </a:r>
+            <a:r>
+              <a:rPr lang="es-MX" sz="1000" dirty="0" err="1">
+                <a:latin typeface="Consolas" panose="020B0609020204030204" pitchFamily="49" charset="0"/>
+                <a:cs typeface="Dubai Light" panose="020B0303030403030204" pitchFamily="34" charset="-78"/>
+              </a:rPr>
+              <a:t>git</a:t>
+            </a:r>
+            <a:r>
+              <a:rPr lang="es-MX" sz="1000" dirty="0">
+                <a:latin typeface="Consolas" panose="020B0609020204030204" pitchFamily="49" charset="0"/>
+                <a:cs typeface="Dubai Light" panose="020B0303030403030204" pitchFamily="34" charset="-78"/>
+              </a:rPr>
+              <a:t> </a:t>
+            </a:r>
+            <a:r>
+              <a:rPr lang="es-MX" sz="1000" dirty="0" err="1">
+                <a:latin typeface="Consolas" panose="020B0609020204030204" pitchFamily="49" charset="0"/>
+                <a:cs typeface="Dubai Light" panose="020B0303030403030204" pitchFamily="34" charset="-78"/>
+              </a:rPr>
+              <a:t>branch</a:t>
+            </a:r>
+            <a:r>
+              <a:rPr lang="es-MX" sz="1000" dirty="0">
+                <a:latin typeface="Consolas" panose="020B0609020204030204" pitchFamily="49" charset="0"/>
+                <a:cs typeface="Dubai Light" panose="020B0303030403030204" pitchFamily="34" charset="-78"/>
+              </a:rPr>
+              <a:t> &lt;Nombre archivo&gt;</a:t>
+            </a:r>
+          </a:p>
+        </p:txBody>
+      </p:sp>
+      <p:sp>
+        <p:nvSpPr>
+          <p:cNvPr id="6" name="CuadroTexto 5">
+            <a:extLst>
+              <a:ext uri="{FF2B5EF4-FFF2-40B4-BE49-F238E27FC236}">
+                <a16:creationId xmlns:a16="http://schemas.microsoft.com/office/drawing/2014/main" id="{1A6DE028-2343-4089-8EDA-84EA8726DE35}"/>
+              </a:ext>
+            </a:extLst>
+          </p:cNvPr>
+          <p:cNvSpPr txBox="1"/>
+          <p:nvPr/>
+        </p:nvSpPr>
+        <p:spPr>
+          <a:xfrm>
+            <a:off x="116006" y="5440397"/>
+            <a:ext cx="2293361" cy="415498"/>
+          </a:xfrm>
+          <a:prstGeom prst="rect">
+            <a:avLst/>
+          </a:prstGeom>
+          <a:solidFill>
+            <a:schemeClr val="bg1">
+              <a:lumMod val="85000"/>
+            </a:schemeClr>
+          </a:solidFill>
+        </p:spPr>
+        <p:txBody>
+          <a:bodyPr wrap="square" rtlCol="0">
+            <a:spAutoFit/>
+          </a:bodyPr>
+          <a:lstStyle/>
+          <a:p>
+            <a:pPr algn="ctr"/>
+            <a:r>
+              <a:rPr lang="es-MX" sz="1100" dirty="0">
+                <a:latin typeface="Dubai Light" panose="020B0303030403030204" pitchFamily="34" charset="-78"/>
+                <a:cs typeface="Dubai Light" panose="020B0303030403030204" pitchFamily="34" charset="-78"/>
+              </a:rPr>
+              <a:t>Cambiar de Rama</a:t>
+            </a:r>
+          </a:p>
+          <a:p>
+            <a:pPr algn="ctr"/>
+            <a:r>
+              <a:rPr lang="es-MX" sz="1000" dirty="0">
+                <a:latin typeface="Consolas" panose="020B0609020204030204" pitchFamily="49" charset="0"/>
+                <a:cs typeface="Dubai Light" panose="020B0303030403030204" pitchFamily="34" charset="-78"/>
+              </a:rPr>
+              <a:t>$</a:t>
+            </a:r>
+            <a:r>
+              <a:rPr lang="es-MX" sz="1000" dirty="0" err="1">
+                <a:latin typeface="Consolas" panose="020B0609020204030204" pitchFamily="49" charset="0"/>
+                <a:cs typeface="Dubai Light" panose="020B0303030403030204" pitchFamily="34" charset="-78"/>
+              </a:rPr>
+              <a:t>git</a:t>
+            </a:r>
+            <a:r>
+              <a:rPr lang="es-MX" sz="1000" dirty="0">
+                <a:latin typeface="Consolas" panose="020B0609020204030204" pitchFamily="49" charset="0"/>
+                <a:cs typeface="Dubai Light" panose="020B0303030403030204" pitchFamily="34" charset="-78"/>
+              </a:rPr>
+              <a:t> </a:t>
+            </a:r>
+            <a:r>
+              <a:rPr lang="es-MX" sz="1000" dirty="0" err="1">
+                <a:latin typeface="Consolas" panose="020B0609020204030204" pitchFamily="49" charset="0"/>
+                <a:cs typeface="Dubai Light" panose="020B0303030403030204" pitchFamily="34" charset="-78"/>
+              </a:rPr>
+              <a:t>checkout</a:t>
+            </a:r>
+            <a:r>
+              <a:rPr lang="es-MX" sz="1000" dirty="0">
+                <a:latin typeface="Consolas" panose="020B0609020204030204" pitchFamily="49" charset="0"/>
+                <a:cs typeface="Dubai Light" panose="020B0303030403030204" pitchFamily="34" charset="-78"/>
+              </a:rPr>
+              <a:t> &lt;Nueva Rama&gt;</a:t>
+            </a:r>
+          </a:p>
+        </p:txBody>
+      </p:sp>
+      <p:sp>
+        <p:nvSpPr>
+          <p:cNvPr id="7" name="CuadroTexto 6">
+            <a:extLst>
+              <a:ext uri="{FF2B5EF4-FFF2-40B4-BE49-F238E27FC236}">
+                <a16:creationId xmlns:a16="http://schemas.microsoft.com/office/drawing/2014/main" id="{9653F5E9-837B-4FE4-BE8E-965672126F9A}"/>
+              </a:ext>
+            </a:extLst>
+          </p:cNvPr>
+          <p:cNvSpPr txBox="1"/>
+          <p:nvPr/>
+        </p:nvSpPr>
+        <p:spPr>
+          <a:xfrm>
+            <a:off x="116012" y="2228370"/>
+            <a:ext cx="2293359" cy="415498"/>
+          </a:xfrm>
+          <a:prstGeom prst="rect">
+            <a:avLst/>
+          </a:prstGeom>
+          <a:solidFill>
+            <a:schemeClr val="bg1">
+              <a:lumMod val="85000"/>
+            </a:schemeClr>
+          </a:solidFill>
+        </p:spPr>
+        <p:txBody>
+          <a:bodyPr wrap="square" rtlCol="0">
+            <a:spAutoFit/>
+          </a:bodyPr>
+          <a:lstStyle/>
+          <a:p>
+            <a:pPr algn="ctr"/>
+            <a:r>
+              <a:rPr lang="es-MX" sz="1100" dirty="0">
+                <a:latin typeface="Dubai Light" panose="020B0303030403030204" pitchFamily="34" charset="-78"/>
+                <a:cs typeface="Dubai Light" panose="020B0303030403030204" pitchFamily="34" charset="-78"/>
+              </a:rPr>
+              <a:t>Ver el estado de los Archivos</a:t>
+            </a:r>
+          </a:p>
+          <a:p>
+            <a:pPr algn="ctr"/>
+            <a:r>
+              <a:rPr lang="es-MX" sz="1000" dirty="0">
+                <a:latin typeface="Consolas" panose="020B0609020204030204" pitchFamily="49" charset="0"/>
+                <a:cs typeface="Dubai Light" panose="020B0303030403030204" pitchFamily="34" charset="-78"/>
+              </a:rPr>
+              <a:t>$</a:t>
+            </a:r>
+            <a:r>
+              <a:rPr lang="es-MX" sz="1000" dirty="0" err="1">
+                <a:latin typeface="Consolas" panose="020B0609020204030204" pitchFamily="49" charset="0"/>
+                <a:cs typeface="Dubai Light" panose="020B0303030403030204" pitchFamily="34" charset="-78"/>
+              </a:rPr>
+              <a:t>git</a:t>
+            </a:r>
+            <a:r>
+              <a:rPr lang="es-MX" sz="1000" dirty="0">
+                <a:latin typeface="Consolas" panose="020B0609020204030204" pitchFamily="49" charset="0"/>
+                <a:cs typeface="Dubai Light" panose="020B0303030403030204" pitchFamily="34" charset="-78"/>
+              </a:rPr>
+              <a:t> </a:t>
+            </a:r>
+            <a:r>
+              <a:rPr lang="es-MX" sz="1000" dirty="0" err="1">
+                <a:latin typeface="Consolas" panose="020B0609020204030204" pitchFamily="49" charset="0"/>
+                <a:cs typeface="Dubai Light" panose="020B0303030403030204" pitchFamily="34" charset="-78"/>
+              </a:rPr>
+              <a:t>branch</a:t>
+            </a:r>
+            <a:r>
+              <a:rPr lang="es-MX" sz="1000" dirty="0">
+                <a:latin typeface="Consolas" panose="020B0609020204030204" pitchFamily="49" charset="0"/>
+                <a:cs typeface="Dubai Light" panose="020B0303030403030204" pitchFamily="34" charset="-78"/>
+              </a:rPr>
+              <a:t> &lt;Nombre&gt;</a:t>
+            </a:r>
+          </a:p>
+        </p:txBody>
+      </p:sp>
+      <p:sp>
+        <p:nvSpPr>
+          <p:cNvPr id="10" name="CuadroTexto 9">
+            <a:extLst>
+              <a:ext uri="{FF2B5EF4-FFF2-40B4-BE49-F238E27FC236}">
+                <a16:creationId xmlns:a16="http://schemas.microsoft.com/office/drawing/2014/main" id="{79EA8C4B-81DE-46BF-8857-C3688F8A51EB}"/>
+              </a:ext>
+            </a:extLst>
+          </p:cNvPr>
+          <p:cNvSpPr txBox="1"/>
+          <p:nvPr/>
+        </p:nvSpPr>
+        <p:spPr>
+          <a:xfrm>
+            <a:off x="116012" y="1721604"/>
+            <a:ext cx="2293359" cy="430887"/>
+          </a:xfrm>
+          <a:prstGeom prst="rect">
+            <a:avLst/>
+          </a:prstGeom>
+          <a:solidFill>
+            <a:schemeClr val="bg1">
+              <a:lumMod val="85000"/>
+            </a:schemeClr>
+          </a:solidFill>
+        </p:spPr>
+        <p:txBody>
+          <a:bodyPr wrap="square" rtlCol="0">
+            <a:spAutoFit/>
+          </a:bodyPr>
+          <a:lstStyle/>
+          <a:p>
+            <a:pPr algn="ctr"/>
+            <a:r>
+              <a:rPr lang="es-MX" sz="1200" dirty="0">
+                <a:latin typeface="Dubai Light" panose="020B0303030403030204" pitchFamily="34" charset="-78"/>
+                <a:cs typeface="Dubai Light" panose="020B0303030403030204" pitchFamily="34" charset="-78"/>
+              </a:rPr>
+              <a:t>Iniciar el versionado</a:t>
+            </a:r>
+          </a:p>
+          <a:p>
+            <a:pPr algn="ctr"/>
+            <a:r>
+              <a:rPr lang="es-MX" sz="1000" dirty="0">
+                <a:latin typeface="Consolas" panose="020B0609020204030204" pitchFamily="49" charset="0"/>
+                <a:cs typeface="Dubai Light" panose="020B0303030403030204" pitchFamily="34" charset="-78"/>
+              </a:rPr>
+              <a:t>$</a:t>
+            </a:r>
+            <a:r>
+              <a:rPr lang="es-MX" sz="1000" dirty="0" err="1">
+                <a:latin typeface="Consolas" panose="020B0609020204030204" pitchFamily="49" charset="0"/>
+                <a:cs typeface="Dubai Light" panose="020B0303030403030204" pitchFamily="34" charset="-78"/>
+              </a:rPr>
+              <a:t>git</a:t>
+            </a:r>
+            <a:r>
+              <a:rPr lang="es-MX" sz="1000" dirty="0">
+                <a:latin typeface="Consolas" panose="020B0609020204030204" pitchFamily="49" charset="0"/>
+                <a:cs typeface="Dubai Light" panose="020B0303030403030204" pitchFamily="34" charset="-78"/>
+              </a:rPr>
+              <a:t> </a:t>
+            </a:r>
+            <a:r>
+              <a:rPr lang="es-MX" sz="1000" dirty="0" err="1">
+                <a:latin typeface="Consolas" panose="020B0609020204030204" pitchFamily="49" charset="0"/>
+                <a:cs typeface="Dubai Light" panose="020B0303030403030204" pitchFamily="34" charset="-78"/>
+              </a:rPr>
+              <a:t>init</a:t>
+            </a:r>
+            <a:endParaRPr lang="es-MX" sz="1000" dirty="0">
+              <a:latin typeface="Consolas" panose="020B0609020204030204" pitchFamily="49" charset="0"/>
+              <a:cs typeface="Dubai Light" panose="020B0303030403030204" pitchFamily="34" charset="-78"/>
+            </a:endParaRPr>
+          </a:p>
+        </p:txBody>
+      </p:sp>
+      <p:sp>
+        <p:nvSpPr>
+          <p:cNvPr id="11" name="CuadroTexto 10">
+            <a:extLst>
+              <a:ext uri="{FF2B5EF4-FFF2-40B4-BE49-F238E27FC236}">
+                <a16:creationId xmlns:a16="http://schemas.microsoft.com/office/drawing/2014/main" id="{BAB34BF0-7586-477D-9CA9-9183B63F515E}"/>
+              </a:ext>
+            </a:extLst>
+          </p:cNvPr>
+          <p:cNvSpPr txBox="1"/>
+          <p:nvPr/>
+        </p:nvSpPr>
+        <p:spPr>
+          <a:xfrm>
+            <a:off x="116011" y="2719747"/>
+            <a:ext cx="2293360" cy="415498"/>
+          </a:xfrm>
+          <a:prstGeom prst="rect">
+            <a:avLst/>
+          </a:prstGeom>
+          <a:solidFill>
+            <a:schemeClr val="bg1">
+              <a:lumMod val="85000"/>
+            </a:schemeClr>
+          </a:solidFill>
+        </p:spPr>
+        <p:txBody>
+          <a:bodyPr wrap="square" rtlCol="0">
+            <a:spAutoFit/>
+          </a:bodyPr>
+          <a:lstStyle/>
+          <a:p>
+            <a:pPr algn="ctr"/>
+            <a:r>
+              <a:rPr lang="es-MX" sz="1100" dirty="0">
+                <a:latin typeface="Dubai Light" panose="020B0303030403030204" pitchFamily="34" charset="-78"/>
+                <a:cs typeface="Dubai Light" panose="020B0303030403030204" pitchFamily="34" charset="-78"/>
+              </a:rPr>
+              <a:t>Agregar un archivo al repositorio</a:t>
+            </a:r>
+          </a:p>
+          <a:p>
+            <a:pPr algn="ctr"/>
+            <a:r>
+              <a:rPr lang="es-MX" sz="1000" dirty="0">
+                <a:latin typeface="OCR A Extended" panose="02010509020102010303" pitchFamily="50" charset="0"/>
+                <a:cs typeface="Dubai Light" panose="020B0303030403030204" pitchFamily="34" charset="-78"/>
+              </a:rPr>
+              <a:t>$</a:t>
+            </a:r>
+            <a:r>
+              <a:rPr lang="es-MX" sz="1000" dirty="0" err="1">
+                <a:latin typeface="OCR A Extended" panose="02010509020102010303" pitchFamily="50" charset="0"/>
+                <a:cs typeface="Dubai Light" panose="020B0303030403030204" pitchFamily="34" charset="-78"/>
+              </a:rPr>
+              <a:t>git</a:t>
+            </a:r>
+            <a:r>
+              <a:rPr lang="es-MX" sz="1000" dirty="0">
+                <a:latin typeface="OCR A Extended" panose="02010509020102010303" pitchFamily="50" charset="0"/>
+                <a:cs typeface="Dubai Light" panose="020B0303030403030204" pitchFamily="34" charset="-78"/>
+              </a:rPr>
+              <a:t> </a:t>
+            </a:r>
+            <a:r>
+              <a:rPr lang="es-MX" sz="1000" dirty="0" err="1">
+                <a:latin typeface="OCR A Extended" panose="02010509020102010303" pitchFamily="50" charset="0"/>
+                <a:cs typeface="Dubai Light" panose="020B0303030403030204" pitchFamily="34" charset="-78"/>
+              </a:rPr>
+              <a:t>add</a:t>
+            </a:r>
+            <a:r>
+              <a:rPr lang="es-MX" sz="1000" dirty="0">
+                <a:latin typeface="OCR A Extended" panose="02010509020102010303" pitchFamily="50" charset="0"/>
+                <a:cs typeface="Dubai Light" panose="020B0303030403030204" pitchFamily="34" charset="-78"/>
+              </a:rPr>
+              <a:t> &lt;Nombre&gt;</a:t>
+            </a:r>
+          </a:p>
+        </p:txBody>
+      </p:sp>
+      <p:sp>
+        <p:nvSpPr>
+          <p:cNvPr id="12" name="CuadroTexto 11">
+            <a:extLst>
+              <a:ext uri="{FF2B5EF4-FFF2-40B4-BE49-F238E27FC236}">
+                <a16:creationId xmlns:a16="http://schemas.microsoft.com/office/drawing/2014/main" id="{2DE10CF0-66C7-4D6F-8185-225B01DFBAEF}"/>
+              </a:ext>
+            </a:extLst>
+          </p:cNvPr>
+          <p:cNvSpPr txBox="1"/>
+          <p:nvPr/>
+        </p:nvSpPr>
+        <p:spPr>
+          <a:xfrm>
+            <a:off x="116010" y="3218485"/>
+            <a:ext cx="2293361" cy="569387"/>
+          </a:xfrm>
+          <a:prstGeom prst="rect">
+            <a:avLst/>
+          </a:prstGeom>
+          <a:solidFill>
+            <a:schemeClr val="bg1">
+              <a:lumMod val="85000"/>
+            </a:schemeClr>
+          </a:solidFill>
+        </p:spPr>
+        <p:txBody>
+          <a:bodyPr wrap="square" rtlCol="0">
+            <a:spAutoFit/>
+          </a:bodyPr>
+          <a:lstStyle/>
+          <a:p>
+            <a:pPr algn="ctr"/>
+            <a:r>
+              <a:rPr lang="es-MX" sz="1100" dirty="0">
+                <a:latin typeface="Dubai Light" panose="020B0303030403030204" pitchFamily="34" charset="-78"/>
+                <a:cs typeface="Dubai Light" panose="020B0303030403030204" pitchFamily="34" charset="-78"/>
+              </a:rPr>
+              <a:t>Hacer un </a:t>
+            </a:r>
+            <a:r>
+              <a:rPr lang="es-MX" sz="1100" dirty="0" err="1">
+                <a:latin typeface="Dubai Light" panose="020B0303030403030204" pitchFamily="34" charset="-78"/>
+                <a:cs typeface="Dubai Light" panose="020B0303030403030204" pitchFamily="34" charset="-78"/>
+              </a:rPr>
+              <a:t>commit</a:t>
+            </a:r>
+            <a:endParaRPr lang="es-MX" sz="1100" dirty="0">
+              <a:latin typeface="Dubai Light" panose="020B0303030403030204" pitchFamily="34" charset="-78"/>
+              <a:cs typeface="Dubai Light" panose="020B0303030403030204" pitchFamily="34" charset="-78"/>
+            </a:endParaRPr>
+          </a:p>
+          <a:p>
+            <a:pPr algn="ctr"/>
+            <a:r>
+              <a:rPr lang="es-MX" sz="1000" dirty="0">
+                <a:latin typeface="Consolas" panose="020B0609020204030204" pitchFamily="49" charset="0"/>
+                <a:cs typeface="Dubai Light" panose="020B0303030403030204" pitchFamily="34" charset="-78"/>
+              </a:rPr>
+              <a:t>$</a:t>
+            </a:r>
+            <a:r>
+              <a:rPr lang="es-MX" sz="1000" dirty="0" err="1">
+                <a:latin typeface="Consolas" panose="020B0609020204030204" pitchFamily="49" charset="0"/>
+                <a:cs typeface="Dubai Light" panose="020B0303030403030204" pitchFamily="34" charset="-78"/>
+              </a:rPr>
+              <a:t>git</a:t>
+            </a:r>
+            <a:r>
+              <a:rPr lang="es-MX" sz="1000" dirty="0">
+                <a:latin typeface="Consolas" panose="020B0609020204030204" pitchFamily="49" charset="0"/>
+                <a:cs typeface="Dubai Light" panose="020B0303030403030204" pitchFamily="34" charset="-78"/>
+              </a:rPr>
+              <a:t> </a:t>
+            </a:r>
+            <a:r>
+              <a:rPr lang="es-MX" sz="1000" dirty="0" err="1">
+                <a:latin typeface="Consolas" panose="020B0609020204030204" pitchFamily="49" charset="0"/>
+                <a:cs typeface="Dubai Light" panose="020B0303030403030204" pitchFamily="34" charset="-78"/>
+              </a:rPr>
+              <a:t>commit</a:t>
+            </a:r>
+            <a:r>
+              <a:rPr lang="es-MX" sz="1000" dirty="0">
+                <a:latin typeface="Consolas" panose="020B0609020204030204" pitchFamily="49" charset="0"/>
+                <a:cs typeface="Dubai Light" panose="020B0303030403030204" pitchFamily="34" charset="-78"/>
+              </a:rPr>
+              <a:t> -m “&lt;</a:t>
+            </a:r>
+            <a:r>
+              <a:rPr lang="es-MX" sz="1000" dirty="0" err="1">
+                <a:latin typeface="Consolas" panose="020B0609020204030204" pitchFamily="49" charset="0"/>
+                <a:cs typeface="Dubai Light" panose="020B0303030403030204" pitchFamily="34" charset="-78"/>
+              </a:rPr>
+              <a:t>Descripcion</a:t>
+            </a:r>
+            <a:r>
+              <a:rPr lang="es-MX" sz="1000" dirty="0">
+                <a:latin typeface="Consolas" panose="020B0609020204030204" pitchFamily="49" charset="0"/>
+                <a:cs typeface="Dubai Light" panose="020B0303030403030204" pitchFamily="34" charset="-78"/>
+              </a:rPr>
+              <a:t> del cambio&gt;”</a:t>
+            </a:r>
+          </a:p>
+        </p:txBody>
+      </p:sp>
+      <p:sp>
+        <p:nvSpPr>
+          <p:cNvPr id="13" name="CuadroTexto 12">
+            <a:extLst>
+              <a:ext uri="{FF2B5EF4-FFF2-40B4-BE49-F238E27FC236}">
+                <a16:creationId xmlns:a16="http://schemas.microsoft.com/office/drawing/2014/main" id="{844441F4-23CA-432A-B07E-25BB632103C6}"/>
+              </a:ext>
+            </a:extLst>
+          </p:cNvPr>
+          <p:cNvSpPr txBox="1"/>
+          <p:nvPr/>
+        </p:nvSpPr>
+        <p:spPr>
+          <a:xfrm>
+            <a:off x="116009" y="3837883"/>
+            <a:ext cx="2293361" cy="415498"/>
+          </a:xfrm>
+          <a:prstGeom prst="rect">
+            <a:avLst/>
+          </a:prstGeom>
+          <a:solidFill>
+            <a:schemeClr val="bg1">
+              <a:lumMod val="85000"/>
+            </a:schemeClr>
+          </a:solidFill>
+        </p:spPr>
+        <p:txBody>
+          <a:bodyPr wrap="square" rtlCol="0">
+            <a:spAutoFit/>
+          </a:bodyPr>
+          <a:lstStyle/>
+          <a:p>
+            <a:pPr algn="ctr"/>
+            <a:r>
+              <a:rPr lang="es-MX" sz="1100" dirty="0">
+                <a:latin typeface="Dubai Light" panose="020B0303030403030204" pitchFamily="34" charset="-78"/>
+                <a:cs typeface="Dubai Light" panose="020B0303030403030204" pitchFamily="34" charset="-78"/>
+              </a:rPr>
+              <a:t>Eliminar archivos del repositorio</a:t>
+            </a:r>
+          </a:p>
+          <a:p>
+            <a:pPr algn="ctr"/>
+            <a:r>
+              <a:rPr lang="es-MX" sz="1000" dirty="0">
+                <a:latin typeface="Consolas" panose="020B0609020204030204" pitchFamily="49" charset="0"/>
+                <a:cs typeface="Dubai Light" panose="020B0303030403030204" pitchFamily="34" charset="-78"/>
+              </a:rPr>
+              <a:t>$</a:t>
+            </a:r>
+            <a:r>
+              <a:rPr lang="es-MX" sz="1000" dirty="0" err="1">
+                <a:latin typeface="Consolas" panose="020B0609020204030204" pitchFamily="49" charset="0"/>
+                <a:cs typeface="Dubai Light" panose="020B0303030403030204" pitchFamily="34" charset="-78"/>
+              </a:rPr>
+              <a:t>git</a:t>
+            </a:r>
+            <a:r>
+              <a:rPr lang="es-MX" sz="1000" dirty="0">
+                <a:latin typeface="Consolas" panose="020B0609020204030204" pitchFamily="49" charset="0"/>
+                <a:cs typeface="Dubai Light" panose="020B0303030403030204" pitchFamily="34" charset="-78"/>
+              </a:rPr>
+              <a:t> </a:t>
+            </a:r>
+            <a:r>
+              <a:rPr lang="es-MX" sz="1000" dirty="0" err="1">
+                <a:latin typeface="Consolas" panose="020B0609020204030204" pitchFamily="49" charset="0"/>
+                <a:cs typeface="Dubai Light" panose="020B0303030403030204" pitchFamily="34" charset="-78"/>
+              </a:rPr>
+              <a:t>rm</a:t>
+            </a:r>
+            <a:r>
+              <a:rPr lang="es-MX" sz="1000" dirty="0">
+                <a:latin typeface="Consolas" panose="020B0609020204030204" pitchFamily="49" charset="0"/>
+                <a:cs typeface="Dubai Light" panose="020B0303030403030204" pitchFamily="34" charset="-78"/>
+              </a:rPr>
+              <a:t> &lt;Nombre archivo&gt;</a:t>
+            </a:r>
+          </a:p>
+        </p:txBody>
+      </p:sp>
+      <p:sp>
+        <p:nvSpPr>
+          <p:cNvPr id="14" name="CuadroTexto 13">
+            <a:extLst>
+              <a:ext uri="{FF2B5EF4-FFF2-40B4-BE49-F238E27FC236}">
+                <a16:creationId xmlns:a16="http://schemas.microsoft.com/office/drawing/2014/main" id="{083AEADE-2316-4742-AE59-CB060B467647}"/>
+              </a:ext>
+            </a:extLst>
+          </p:cNvPr>
+          <p:cNvSpPr txBox="1"/>
+          <p:nvPr/>
+        </p:nvSpPr>
+        <p:spPr>
+          <a:xfrm>
+            <a:off x="116008" y="4353019"/>
+            <a:ext cx="2293361" cy="415498"/>
+          </a:xfrm>
+          <a:prstGeom prst="rect">
+            <a:avLst/>
+          </a:prstGeom>
+          <a:solidFill>
+            <a:schemeClr val="bg1">
+              <a:lumMod val="85000"/>
+            </a:schemeClr>
+          </a:solidFill>
+        </p:spPr>
+        <p:txBody>
+          <a:bodyPr wrap="square" rtlCol="0">
+            <a:spAutoFit/>
+          </a:bodyPr>
+          <a:lstStyle/>
+          <a:p>
+            <a:pPr algn="ctr"/>
+            <a:r>
+              <a:rPr lang="es-MX" sz="1100" dirty="0">
+                <a:latin typeface="Dubai Light" panose="020B0303030403030204" pitchFamily="34" charset="-78"/>
+                <a:cs typeface="Dubai Light" panose="020B0303030403030204" pitchFamily="34" charset="-78"/>
+              </a:rPr>
+              <a:t>Historial de cambios</a:t>
+            </a:r>
+          </a:p>
+          <a:p>
+            <a:pPr algn="ctr"/>
+            <a:r>
+              <a:rPr lang="es-MX" sz="1000" dirty="0">
+                <a:latin typeface="Consolas" panose="020B0609020204030204" pitchFamily="49" charset="0"/>
+                <a:cs typeface="Dubai Light" panose="020B0303030403030204" pitchFamily="34" charset="-78"/>
+              </a:rPr>
+              <a:t>$</a:t>
+            </a:r>
+            <a:r>
+              <a:rPr lang="es-MX" sz="1000" dirty="0" err="1">
+                <a:latin typeface="Consolas" panose="020B0609020204030204" pitchFamily="49" charset="0"/>
+                <a:cs typeface="Dubai Light" panose="020B0303030403030204" pitchFamily="34" charset="-78"/>
+              </a:rPr>
+              <a:t>git</a:t>
+            </a:r>
+            <a:r>
+              <a:rPr lang="es-MX" sz="1000" dirty="0">
+                <a:latin typeface="Consolas" panose="020B0609020204030204" pitchFamily="49" charset="0"/>
+                <a:cs typeface="Dubai Light" panose="020B0303030403030204" pitchFamily="34" charset="-78"/>
+              </a:rPr>
+              <a:t> log</a:t>
+            </a:r>
+          </a:p>
+        </p:txBody>
+      </p:sp>
+      <p:sp>
+        <p:nvSpPr>
+          <p:cNvPr id="15" name="CuadroTexto 14">
+            <a:extLst>
+              <a:ext uri="{FF2B5EF4-FFF2-40B4-BE49-F238E27FC236}">
+                <a16:creationId xmlns:a16="http://schemas.microsoft.com/office/drawing/2014/main" id="{0C227BFA-3C25-4877-9DF3-3BC17F775E44}"/>
+              </a:ext>
+            </a:extLst>
+          </p:cNvPr>
+          <p:cNvSpPr txBox="1"/>
+          <p:nvPr/>
+        </p:nvSpPr>
+        <p:spPr>
+          <a:xfrm>
+            <a:off x="116005" y="6012693"/>
+            <a:ext cx="2293361" cy="569387"/>
+          </a:xfrm>
+          <a:prstGeom prst="rect">
+            <a:avLst/>
+          </a:prstGeom>
+          <a:solidFill>
+            <a:schemeClr val="bg1">
+              <a:lumMod val="85000"/>
+            </a:schemeClr>
+          </a:solidFill>
+        </p:spPr>
+        <p:txBody>
+          <a:bodyPr wrap="square" rtlCol="0">
+            <a:spAutoFit/>
+          </a:bodyPr>
+          <a:lstStyle/>
+          <a:p>
+            <a:pPr algn="ctr"/>
+            <a:r>
+              <a:rPr lang="es-MX" sz="1100" dirty="0">
+                <a:latin typeface="Dubai Light" panose="020B0303030403030204" pitchFamily="34" charset="-78"/>
+                <a:cs typeface="Dubai Light" panose="020B0303030403030204" pitchFamily="34" charset="-78"/>
+              </a:rPr>
+              <a:t>Mezclar</a:t>
+            </a:r>
+          </a:p>
+          <a:p>
+            <a:pPr algn="ctr"/>
+            <a:r>
+              <a:rPr lang="es-MX" sz="1000" dirty="0">
+                <a:latin typeface="Consolas" panose="020B0609020204030204" pitchFamily="49" charset="0"/>
+                <a:cs typeface="Dubai Light" panose="020B0303030403030204" pitchFamily="34" charset="-78"/>
+              </a:rPr>
+              <a:t>$</a:t>
+            </a:r>
+            <a:r>
+              <a:rPr lang="es-MX" sz="1000" dirty="0" err="1">
+                <a:latin typeface="Consolas" panose="020B0609020204030204" pitchFamily="49" charset="0"/>
+                <a:cs typeface="Dubai Light" panose="020B0303030403030204" pitchFamily="34" charset="-78"/>
+              </a:rPr>
+              <a:t>git</a:t>
+            </a:r>
+            <a:r>
+              <a:rPr lang="es-MX" sz="1000" dirty="0">
+                <a:latin typeface="Consolas" panose="020B0609020204030204" pitchFamily="49" charset="0"/>
+                <a:cs typeface="Dubai Light" panose="020B0303030403030204" pitchFamily="34" charset="-78"/>
+              </a:rPr>
+              <a:t> </a:t>
+            </a:r>
+            <a:r>
+              <a:rPr lang="es-MX" sz="1000" dirty="0" err="1">
+                <a:latin typeface="Consolas" panose="020B0609020204030204" pitchFamily="49" charset="0"/>
+                <a:cs typeface="Dubai Light" panose="020B0303030403030204" pitchFamily="34" charset="-78"/>
+              </a:rPr>
+              <a:t>merge</a:t>
+            </a:r>
+            <a:r>
+              <a:rPr lang="es-MX" sz="1000" dirty="0">
+                <a:latin typeface="Consolas" panose="020B0609020204030204" pitchFamily="49" charset="0"/>
+                <a:cs typeface="Dubai Light" panose="020B0303030403030204" pitchFamily="34" charset="-78"/>
+              </a:rPr>
+              <a:t> &lt;Rama con los cambios&gt;</a:t>
+            </a:r>
+          </a:p>
+        </p:txBody>
+      </p:sp>
+      <p:sp>
+        <p:nvSpPr>
+          <p:cNvPr id="16" name="Rectángulo 15">
+            <a:extLst>
+              <a:ext uri="{FF2B5EF4-FFF2-40B4-BE49-F238E27FC236}">
+                <a16:creationId xmlns:a16="http://schemas.microsoft.com/office/drawing/2014/main" id="{ADFAADBE-F234-417F-B1C8-F882C13FDA1D}"/>
+              </a:ext>
+            </a:extLst>
+          </p:cNvPr>
+          <p:cNvSpPr/>
+          <p:nvPr/>
+        </p:nvSpPr>
+        <p:spPr>
+          <a:xfrm>
+            <a:off x="2460602" y="1721604"/>
+            <a:ext cx="3976058" cy="430887"/>
+          </a:xfrm>
+          <a:prstGeom prst="rect">
+            <a:avLst/>
+          </a:prstGeom>
+        </p:spPr>
+        <p:txBody>
+          <a:bodyPr wrap="square">
+            <a:spAutoFit/>
+          </a:bodyPr>
+          <a:lstStyle/>
+          <a:p>
+            <a:pPr algn="just"/>
+            <a:r>
+              <a:rPr lang="es-MX" sz="1100" dirty="0">
+                <a:solidFill>
+                  <a:srgbClr val="000000"/>
+                </a:solidFill>
+                <a:latin typeface="Dubai Light" panose="020B0303030403030204" pitchFamily="34" charset="-78"/>
+                <a:cs typeface="Dubai Light" panose="020B0303030403030204" pitchFamily="34" charset="-78"/>
+              </a:rPr>
+              <a:t>Este comando agrega una carpeta e inicia un repositorio en la carpeta en la que el comando se ejecuta.</a:t>
+            </a:r>
+            <a:endParaRPr lang="es-MX" sz="1100" dirty="0">
+              <a:latin typeface="Dubai Light" panose="020B0303030403030204" pitchFamily="34" charset="-78"/>
+              <a:cs typeface="Dubai Light" panose="020B0303030403030204" pitchFamily="34" charset="-78"/>
+            </a:endParaRPr>
+          </a:p>
+        </p:txBody>
+      </p:sp>
+      <p:sp>
+        <p:nvSpPr>
+          <p:cNvPr id="17" name="Rectángulo 16">
+            <a:extLst>
+              <a:ext uri="{FF2B5EF4-FFF2-40B4-BE49-F238E27FC236}">
+                <a16:creationId xmlns:a16="http://schemas.microsoft.com/office/drawing/2014/main" id="{1B4EFB3A-199F-4B58-AB4A-9E4D218C6ABC}"/>
+              </a:ext>
+            </a:extLst>
+          </p:cNvPr>
+          <p:cNvSpPr/>
+          <p:nvPr/>
+        </p:nvSpPr>
+        <p:spPr>
+          <a:xfrm>
+            <a:off x="2460602" y="2204565"/>
+            <a:ext cx="3976058" cy="430887"/>
+          </a:xfrm>
+          <a:prstGeom prst="rect">
+            <a:avLst/>
+          </a:prstGeom>
+        </p:spPr>
+        <p:txBody>
+          <a:bodyPr wrap="square">
+            <a:spAutoFit/>
+          </a:bodyPr>
+          <a:lstStyle/>
+          <a:p>
+            <a:pPr algn="just"/>
+            <a:r>
+              <a:rPr lang="es-MX" sz="1100" dirty="0">
+                <a:solidFill>
+                  <a:srgbClr val="000000"/>
+                </a:solidFill>
+                <a:latin typeface="Dubai Light" panose="020B0303030403030204" pitchFamily="34" charset="-78"/>
+                <a:cs typeface="Dubai Light" panose="020B0303030403030204" pitchFamily="34" charset="-78"/>
+              </a:rPr>
+              <a:t>Con este comando se puede indicar si ha habido algún cambio en los archivos o si están agregados al </a:t>
+            </a:r>
+            <a:r>
+              <a:rPr lang="es-MX" sz="1100" i="1" dirty="0" err="1">
+                <a:solidFill>
+                  <a:srgbClr val="000000"/>
+                </a:solidFill>
+                <a:latin typeface="Dubai Light" panose="020B0303030403030204" pitchFamily="34" charset="-78"/>
+                <a:cs typeface="Dubai Light" panose="020B0303030403030204" pitchFamily="34" charset="-78"/>
+              </a:rPr>
+              <a:t>stage</a:t>
+            </a:r>
+            <a:r>
+              <a:rPr lang="es-MX" sz="1100" i="1" dirty="0">
+                <a:solidFill>
+                  <a:srgbClr val="000000"/>
+                </a:solidFill>
+                <a:latin typeface="Dubai Light" panose="020B0303030403030204" pitchFamily="34" charset="-78"/>
+                <a:cs typeface="Dubai Light" panose="020B0303030403030204" pitchFamily="34" charset="-78"/>
+              </a:rPr>
+              <a:t> área</a:t>
+            </a:r>
+            <a:endParaRPr lang="es-MX" sz="1100" dirty="0">
+              <a:latin typeface="Dubai Light" panose="020B0303030403030204" pitchFamily="34" charset="-78"/>
+              <a:cs typeface="Dubai Light" panose="020B0303030403030204" pitchFamily="34" charset="-78"/>
+            </a:endParaRPr>
+          </a:p>
+        </p:txBody>
+      </p:sp>
+      <p:sp>
+        <p:nvSpPr>
+          <p:cNvPr id="20" name="Rectángulo 19">
+            <a:extLst>
+              <a:ext uri="{FF2B5EF4-FFF2-40B4-BE49-F238E27FC236}">
+                <a16:creationId xmlns:a16="http://schemas.microsoft.com/office/drawing/2014/main" id="{B6263961-1693-40F9-A060-3BDF09DCDF59}"/>
+              </a:ext>
+            </a:extLst>
+          </p:cNvPr>
+          <p:cNvSpPr/>
+          <p:nvPr/>
+        </p:nvSpPr>
+        <p:spPr>
+          <a:xfrm>
+            <a:off x="2519937" y="3218485"/>
+            <a:ext cx="3976058" cy="600164"/>
+          </a:xfrm>
+          <a:prstGeom prst="rect">
+            <a:avLst/>
+          </a:prstGeom>
+        </p:spPr>
+        <p:txBody>
+          <a:bodyPr wrap="square">
+            <a:spAutoFit/>
+          </a:bodyPr>
+          <a:lstStyle/>
+          <a:p>
+            <a:pPr algn="just"/>
+            <a:r>
+              <a:rPr lang="es-MX" sz="1100" dirty="0">
+                <a:solidFill>
+                  <a:srgbClr val="000000"/>
+                </a:solidFill>
+                <a:latin typeface="Dubai Light" panose="020B0303030403030204" pitchFamily="34" charset="-78"/>
+                <a:cs typeface="Dubai Light" panose="020B0303030403030204" pitchFamily="34" charset="-78"/>
+              </a:rPr>
+              <a:t>Cuando un cambio ha resultado exitoso es momento de marcar un punto en el tiempo con el </a:t>
+            </a:r>
+            <a:r>
+              <a:rPr lang="es-MX" sz="1100" dirty="0" err="1">
+                <a:solidFill>
+                  <a:srgbClr val="000000"/>
+                </a:solidFill>
+                <a:latin typeface="Dubai Light" panose="020B0303030403030204" pitchFamily="34" charset="-78"/>
+                <a:cs typeface="Dubai Light" panose="020B0303030403030204" pitchFamily="34" charset="-78"/>
+              </a:rPr>
+              <a:t>commit</a:t>
+            </a:r>
+            <a:r>
+              <a:rPr lang="es-MX" sz="1100" dirty="0">
+                <a:solidFill>
+                  <a:srgbClr val="000000"/>
+                </a:solidFill>
+                <a:latin typeface="Dubai Light" panose="020B0303030403030204" pitchFamily="34" charset="-78"/>
+                <a:cs typeface="Dubai Light" panose="020B0303030403030204" pitchFamily="34" charset="-78"/>
+              </a:rPr>
+              <a:t>. Se agrega un mensaje para que se sepa de qué se trató el </a:t>
+            </a:r>
+            <a:r>
+              <a:rPr lang="es-MX" sz="1100" dirty="0" err="1">
+                <a:solidFill>
+                  <a:srgbClr val="000000"/>
+                </a:solidFill>
+                <a:latin typeface="Dubai Light" panose="020B0303030403030204" pitchFamily="34" charset="-78"/>
+                <a:cs typeface="Dubai Light" panose="020B0303030403030204" pitchFamily="34" charset="-78"/>
+              </a:rPr>
+              <a:t>cambiio</a:t>
+            </a:r>
+            <a:r>
+              <a:rPr lang="es-MX" sz="1100" dirty="0">
+                <a:solidFill>
+                  <a:srgbClr val="000000"/>
+                </a:solidFill>
+                <a:latin typeface="Dubai Light" panose="020B0303030403030204" pitchFamily="34" charset="-78"/>
+                <a:cs typeface="Dubai Light" panose="020B0303030403030204" pitchFamily="34" charset="-78"/>
+              </a:rPr>
+              <a:t>-. </a:t>
+            </a:r>
+            <a:endParaRPr lang="es-MX" sz="1100" dirty="0">
+              <a:latin typeface="Dubai Light" panose="020B0303030403030204" pitchFamily="34" charset="-78"/>
+              <a:cs typeface="Dubai Light" panose="020B0303030403030204" pitchFamily="34" charset="-78"/>
+            </a:endParaRPr>
+          </a:p>
+        </p:txBody>
+      </p:sp>
+      <p:sp>
+        <p:nvSpPr>
+          <p:cNvPr id="21" name="Rectángulo 20">
+            <a:extLst>
+              <a:ext uri="{FF2B5EF4-FFF2-40B4-BE49-F238E27FC236}">
+                <a16:creationId xmlns:a16="http://schemas.microsoft.com/office/drawing/2014/main" id="{E8CC722E-1392-4510-867C-10A80FE132F9}"/>
+              </a:ext>
+            </a:extLst>
+          </p:cNvPr>
+          <p:cNvSpPr/>
+          <p:nvPr/>
+        </p:nvSpPr>
+        <p:spPr>
+          <a:xfrm>
+            <a:off x="2409367" y="2708300"/>
+            <a:ext cx="3976058" cy="430887"/>
+          </a:xfrm>
+          <a:prstGeom prst="rect">
+            <a:avLst/>
+          </a:prstGeom>
+        </p:spPr>
+        <p:txBody>
+          <a:bodyPr wrap="square">
+            <a:spAutoFit/>
+          </a:bodyPr>
+          <a:lstStyle/>
+          <a:p>
+            <a:pPr algn="just"/>
+            <a:r>
+              <a:rPr lang="es-MX" sz="1100" dirty="0">
+                <a:solidFill>
+                  <a:srgbClr val="000000"/>
+                </a:solidFill>
+                <a:latin typeface="Dubai Light" panose="020B0303030403030204" pitchFamily="34" charset="-78"/>
+                <a:cs typeface="Dubai Light" panose="020B0303030403030204" pitchFamily="34" charset="-78"/>
+              </a:rPr>
+              <a:t>Una vez que existen cambio es los archivos  versionados deben agregarse  al </a:t>
+            </a:r>
+            <a:r>
+              <a:rPr lang="es-MX" sz="1100" i="1" dirty="0" err="1">
+                <a:solidFill>
+                  <a:srgbClr val="000000"/>
+                </a:solidFill>
+                <a:latin typeface="Dubai Light" panose="020B0303030403030204" pitchFamily="34" charset="-78"/>
+                <a:cs typeface="Dubai Light" panose="020B0303030403030204" pitchFamily="34" charset="-78"/>
+              </a:rPr>
+              <a:t>stage</a:t>
+            </a:r>
+            <a:r>
+              <a:rPr lang="es-MX" sz="1100" i="1" dirty="0">
+                <a:solidFill>
+                  <a:srgbClr val="000000"/>
+                </a:solidFill>
+                <a:latin typeface="Dubai Light" panose="020B0303030403030204" pitchFamily="34" charset="-78"/>
+                <a:cs typeface="Dubai Light" panose="020B0303030403030204" pitchFamily="34" charset="-78"/>
+              </a:rPr>
+              <a:t> área </a:t>
+            </a:r>
+            <a:r>
+              <a:rPr lang="es-MX" sz="1100" dirty="0">
+                <a:solidFill>
+                  <a:srgbClr val="000000"/>
+                </a:solidFill>
+                <a:latin typeface="Dubai Light" panose="020B0303030403030204" pitchFamily="34" charset="-78"/>
+                <a:cs typeface="Dubai Light" panose="020B0303030403030204" pitchFamily="34" charset="-78"/>
+              </a:rPr>
+              <a:t>listos para hacer </a:t>
+            </a:r>
+            <a:r>
+              <a:rPr lang="es-MX" sz="1100" dirty="0" err="1">
+                <a:solidFill>
+                  <a:srgbClr val="000000"/>
+                </a:solidFill>
+                <a:latin typeface="Dubai Light" panose="020B0303030403030204" pitchFamily="34" charset="-78"/>
+                <a:cs typeface="Dubai Light" panose="020B0303030403030204" pitchFamily="34" charset="-78"/>
+              </a:rPr>
+              <a:t>commit</a:t>
+            </a:r>
+            <a:r>
+              <a:rPr lang="es-MX" sz="1100" dirty="0">
+                <a:solidFill>
+                  <a:srgbClr val="000000"/>
+                </a:solidFill>
+                <a:latin typeface="Dubai Light" panose="020B0303030403030204" pitchFamily="34" charset="-78"/>
+                <a:cs typeface="Dubai Light" panose="020B0303030403030204" pitchFamily="34" charset="-78"/>
+              </a:rPr>
+              <a:t>. </a:t>
+            </a:r>
+            <a:endParaRPr lang="es-MX" sz="1100" dirty="0">
+              <a:latin typeface="Dubai Light" panose="020B0303030403030204" pitchFamily="34" charset="-78"/>
+              <a:cs typeface="Dubai Light" panose="020B0303030403030204" pitchFamily="34" charset="-78"/>
+            </a:endParaRPr>
+          </a:p>
+        </p:txBody>
+      </p:sp>
+      <p:sp>
+        <p:nvSpPr>
+          <p:cNvPr id="22" name="Rectángulo 21">
+            <a:extLst>
+              <a:ext uri="{FF2B5EF4-FFF2-40B4-BE49-F238E27FC236}">
+                <a16:creationId xmlns:a16="http://schemas.microsoft.com/office/drawing/2014/main" id="{9B31D048-6CD6-4F14-8B46-0C7473CBAA81}"/>
+              </a:ext>
+            </a:extLst>
+          </p:cNvPr>
+          <p:cNvSpPr/>
+          <p:nvPr/>
+        </p:nvSpPr>
+        <p:spPr>
+          <a:xfrm>
+            <a:off x="2519937" y="3778028"/>
+            <a:ext cx="3976058" cy="430887"/>
+          </a:xfrm>
+          <a:prstGeom prst="rect">
+            <a:avLst/>
+          </a:prstGeom>
+        </p:spPr>
+        <p:txBody>
+          <a:bodyPr wrap="square">
+            <a:spAutoFit/>
+          </a:bodyPr>
+          <a:lstStyle/>
+          <a:p>
+            <a:pPr algn="just"/>
+            <a:r>
+              <a:rPr lang="es-MX" sz="1100" dirty="0">
+                <a:solidFill>
+                  <a:srgbClr val="000000"/>
+                </a:solidFill>
+                <a:latin typeface="Dubai Light" panose="020B0303030403030204" pitchFamily="34" charset="-78"/>
+                <a:cs typeface="Dubai Light" panose="020B0303030403030204" pitchFamily="34" charset="-78"/>
+              </a:rPr>
+              <a:t>En caso de que se quiera eliminar un archivo del repositorio se utiliza el comando y el nombre del archivo.</a:t>
+            </a:r>
+            <a:endParaRPr lang="es-MX" sz="1100" dirty="0">
+              <a:latin typeface="Dubai Light" panose="020B0303030403030204" pitchFamily="34" charset="-78"/>
+              <a:cs typeface="Dubai Light" panose="020B0303030403030204" pitchFamily="34" charset="-78"/>
+            </a:endParaRPr>
+          </a:p>
+        </p:txBody>
+      </p:sp>
+      <p:sp>
+        <p:nvSpPr>
+          <p:cNvPr id="23" name="Rectángulo 22">
+            <a:extLst>
+              <a:ext uri="{FF2B5EF4-FFF2-40B4-BE49-F238E27FC236}">
+                <a16:creationId xmlns:a16="http://schemas.microsoft.com/office/drawing/2014/main" id="{928E2D03-60FF-4D3F-A381-11AC51C9D531}"/>
+              </a:ext>
+            </a:extLst>
+          </p:cNvPr>
+          <p:cNvSpPr/>
+          <p:nvPr/>
+        </p:nvSpPr>
+        <p:spPr>
+          <a:xfrm>
+            <a:off x="2519937" y="4331763"/>
+            <a:ext cx="3976058" cy="430887"/>
+          </a:xfrm>
+          <a:prstGeom prst="rect">
+            <a:avLst/>
+          </a:prstGeom>
+        </p:spPr>
+        <p:txBody>
+          <a:bodyPr wrap="square">
+            <a:spAutoFit/>
+          </a:bodyPr>
+          <a:lstStyle/>
+          <a:p>
+            <a:pPr algn="just"/>
+            <a:r>
+              <a:rPr lang="es-MX" sz="1100" dirty="0">
+                <a:solidFill>
+                  <a:srgbClr val="000000"/>
+                </a:solidFill>
+                <a:latin typeface="Dubai Light" panose="020B0303030403030204" pitchFamily="34" charset="-78"/>
+                <a:cs typeface="Dubai Light" panose="020B0303030403030204" pitchFamily="34" charset="-78"/>
+              </a:rPr>
+              <a:t>Con este comando se puede ver el historial de los </a:t>
+            </a:r>
+            <a:r>
+              <a:rPr lang="es-MX" sz="1100" dirty="0" err="1">
+                <a:solidFill>
+                  <a:srgbClr val="000000"/>
+                </a:solidFill>
+                <a:latin typeface="Dubai Light" panose="020B0303030403030204" pitchFamily="34" charset="-78"/>
+                <a:cs typeface="Dubai Light" panose="020B0303030403030204" pitchFamily="34" charset="-78"/>
+              </a:rPr>
+              <a:t>commits</a:t>
+            </a:r>
+            <a:r>
+              <a:rPr lang="es-MX" sz="1100" dirty="0">
+                <a:solidFill>
+                  <a:srgbClr val="000000"/>
+                </a:solidFill>
+                <a:latin typeface="Dubai Light" panose="020B0303030403030204" pitchFamily="34" charset="-78"/>
+                <a:cs typeface="Dubai Light" panose="020B0303030403030204" pitchFamily="34" charset="-78"/>
+              </a:rPr>
+              <a:t> realizados.</a:t>
+            </a:r>
+            <a:endParaRPr lang="es-MX" sz="1100" dirty="0">
+              <a:latin typeface="Dubai Light" panose="020B0303030403030204" pitchFamily="34" charset="-78"/>
+              <a:cs typeface="Dubai Light" panose="020B0303030403030204" pitchFamily="34" charset="-78"/>
+            </a:endParaRPr>
+          </a:p>
+        </p:txBody>
+      </p:sp>
+      <p:sp>
+        <p:nvSpPr>
+          <p:cNvPr id="24" name="Rectángulo 23">
+            <a:extLst>
+              <a:ext uri="{FF2B5EF4-FFF2-40B4-BE49-F238E27FC236}">
+                <a16:creationId xmlns:a16="http://schemas.microsoft.com/office/drawing/2014/main" id="{92FE0FA3-6D99-4BA6-9493-AFD449C9B0E4}"/>
+              </a:ext>
+            </a:extLst>
+          </p:cNvPr>
+          <p:cNvSpPr/>
+          <p:nvPr/>
+        </p:nvSpPr>
+        <p:spPr>
+          <a:xfrm>
+            <a:off x="2519937" y="4902827"/>
+            <a:ext cx="3976058" cy="261610"/>
+          </a:xfrm>
+          <a:prstGeom prst="rect">
+            <a:avLst/>
+          </a:prstGeom>
+        </p:spPr>
+        <p:txBody>
+          <a:bodyPr wrap="square">
+            <a:spAutoFit/>
+          </a:bodyPr>
+          <a:lstStyle/>
+          <a:p>
+            <a:pPr algn="just"/>
+            <a:r>
+              <a:rPr lang="es-MX" sz="1100" dirty="0">
+                <a:latin typeface="Dubai Light" panose="020B0303030403030204" pitchFamily="34" charset="-78"/>
+                <a:cs typeface="Dubai Light" panose="020B0303030403030204" pitchFamily="34" charset="-78"/>
+              </a:rPr>
+              <a:t>Un </a:t>
+            </a:r>
+            <a:r>
+              <a:rPr lang="es-MX" sz="1100" dirty="0" err="1">
+                <a:latin typeface="Dubai Light" panose="020B0303030403030204" pitchFamily="34" charset="-78"/>
+                <a:cs typeface="Dubai Light" panose="020B0303030403030204" pitchFamily="34" charset="-78"/>
+              </a:rPr>
+              <a:t>branch</a:t>
+            </a:r>
+            <a:r>
+              <a:rPr lang="es-MX" sz="1100" dirty="0">
+                <a:latin typeface="Dubai Light" panose="020B0303030403030204" pitchFamily="34" charset="-78"/>
+                <a:cs typeface="Dubai Light" panose="020B0303030403030204" pitchFamily="34" charset="-78"/>
+              </a:rPr>
+              <a:t> es una </a:t>
+            </a:r>
+            <a:r>
+              <a:rPr lang="es-MX" sz="1100" dirty="0" err="1">
+                <a:latin typeface="Dubai Light" panose="020B0303030403030204" pitchFamily="34" charset="-78"/>
+                <a:cs typeface="Dubai Light" panose="020B0303030403030204" pitchFamily="34" charset="-78"/>
+              </a:rPr>
+              <a:t>linea</a:t>
+            </a:r>
+            <a:r>
+              <a:rPr lang="es-MX" sz="1100" dirty="0">
+                <a:latin typeface="Dubai Light" panose="020B0303030403030204" pitchFamily="34" charset="-78"/>
+                <a:cs typeface="Dubai Light" panose="020B0303030403030204" pitchFamily="34" charset="-78"/>
+              </a:rPr>
+              <a:t> de desarrollo distinta de la principal.</a:t>
+            </a:r>
           </a:p>
         </p:txBody>
       </p:sp>
